--- a/Project 1 presentation.pptx
+++ b/Project 1 presentation.pptx
@@ -10,17 +10,18 @@
     <p:sldId id="259" r:id="rId4"/>
     <p:sldId id="258" r:id="rId5"/>
     <p:sldId id="260" r:id="rId6"/>
-    <p:sldId id="263" r:id="rId7"/>
+    <p:sldId id="264" r:id="rId7"/>
     <p:sldId id="262" r:id="rId8"/>
-    <p:sldId id="264" r:id="rId9"/>
-    <p:sldId id="267" r:id="rId10"/>
-    <p:sldId id="271" r:id="rId11"/>
+    <p:sldId id="263" r:id="rId9"/>
+    <p:sldId id="271" r:id="rId10"/>
+    <p:sldId id="273" r:id="rId11"/>
     <p:sldId id="265" r:id="rId12"/>
     <p:sldId id="266" r:id="rId13"/>
     <p:sldId id="272" r:id="rId14"/>
     <p:sldId id="269" r:id="rId15"/>
     <p:sldId id="268" r:id="rId16"/>
     <p:sldId id="270" r:id="rId17"/>
+    <p:sldId id="274" r:id="rId18"/>
   </p:sldIdLst>
   <p:sldSz cx="12192000" cy="6858000"/>
   <p:notesSz cx="6858000" cy="9144000"/>
@@ -131,8 +132,11 @@
 <p1510:revInfo xmlns:a="http://schemas.openxmlformats.org/drawingml/2006/main" xmlns:r="http://schemas.openxmlformats.org/officeDocument/2006/relationships" xmlns:p1510="http://schemas.microsoft.com/office/powerpoint/2015/10/main">
   <p1510:revLst>
     <p1510:client id="{01E802AC-E502-4272-BEEA-3BA6188B0FFD}" v="276" dt="2024-12-18T02:42:58.517"/>
+    <p1510:client id="{0EE1FAB6-915B-4BCD-A995-67B9906F4FB0}" v="25" dt="2024-12-19T23:58:51.356"/>
     <p1510:client id="{270AB700-17E7-4F24-BF19-25888B5CFBE0}" v="165" dt="2024-12-18T02:14:20.954"/>
     <p1510:client id="{436F8330-E5BF-45E0-AB36-51343BD7D168}" v="138" dt="2024-12-18T02:30:47.746"/>
+    <p1510:client id="{7C749E66-FAC9-4F97-B5F6-BA4532D681D7}" v="211" dt="2024-12-19T00:27:56.972"/>
+    <p1510:client id="{863AD318-60DC-436B-B46F-4ED2E0E894E5}" v="27" dt="2024-12-19T00:45:13.830"/>
     <p1510:client id="{92DF534E-B4AD-459A-A45F-89A4403457E8}" v="548" dt="2024-12-18T02:30:04.020"/>
     <p1510:client id="{C2B9BDF9-4641-4425-B0B2-4BBE1B6990D8}" v="1" dt="2024-12-18T02:43:22.345"/>
     <p1510:client id="{CC73B818-AFAE-4433-A49D-3BAE5E14F229}" v="110" dt="2024-12-18T02:47:37.321"/>
@@ -143,6 +147,123 @@
 
 <file path=ppt/changesInfos/changesInfo1.xml><?xml version="1.0" encoding="utf-8"?>
 <pc:chgInfo xmlns:a="http://schemas.openxmlformats.org/drawingml/2006/main" xmlns:r="http://schemas.openxmlformats.org/officeDocument/2006/relationships" xmlns:ac="http://schemas.microsoft.com/office/drawing/2013/main/command" xmlns:pc="http://schemas.microsoft.com/office/powerpoint/2013/main/command">
+  <pc:docChgLst>
+    <pc:chgData name="Larry Pavlik" userId="1118f5dddc1eeda9" providerId="Windows Live" clId="Web-{0EE1FAB6-915B-4BCD-A995-67B9906F4FB0}"/>
+    <pc:docChg chg="addSld delSld modSld">
+      <pc:chgData name="Larry Pavlik" userId="1118f5dddc1eeda9" providerId="Windows Live" clId="Web-{0EE1FAB6-915B-4BCD-A995-67B9906F4FB0}" dt="2024-12-19T23:58:51.356" v="22" actId="20577"/>
+      <pc:docMkLst>
+        <pc:docMk/>
+      </pc:docMkLst>
+      <pc:sldChg chg="modSp">
+        <pc:chgData name="Larry Pavlik" userId="1118f5dddc1eeda9" providerId="Windows Live" clId="Web-{0EE1FAB6-915B-4BCD-A995-67B9906F4FB0}" dt="2024-12-19T23:37:19.229" v="7" actId="1076"/>
+        <pc:sldMkLst>
+          <pc:docMk/>
+          <pc:sldMk cId="1717554818" sldId="256"/>
+        </pc:sldMkLst>
+        <pc:spChg chg="mod">
+          <ac:chgData name="Larry Pavlik" userId="1118f5dddc1eeda9" providerId="Windows Live" clId="Web-{0EE1FAB6-915B-4BCD-A995-67B9906F4FB0}" dt="2024-12-19T23:37:19.229" v="7" actId="1076"/>
+          <ac:spMkLst>
+            <pc:docMk/>
+            <pc:sldMk cId="1717554818" sldId="256"/>
+            <ac:spMk id="3" creationId="{1694DDDE-4A5B-81DD-0BE2-CF0FD949EC5A}"/>
+          </ac:spMkLst>
+        </pc:spChg>
+      </pc:sldChg>
+      <pc:sldChg chg="modSp">
+        <pc:chgData name="Larry Pavlik" userId="1118f5dddc1eeda9" providerId="Windows Live" clId="Web-{0EE1FAB6-915B-4BCD-A995-67B9906F4FB0}" dt="2024-12-19T23:09:36.644" v="1" actId="20577"/>
+        <pc:sldMkLst>
+          <pc:docMk/>
+          <pc:sldMk cId="3910271097" sldId="257"/>
+        </pc:sldMkLst>
+        <pc:spChg chg="mod">
+          <ac:chgData name="Larry Pavlik" userId="1118f5dddc1eeda9" providerId="Windows Live" clId="Web-{0EE1FAB6-915B-4BCD-A995-67B9906F4FB0}" dt="2024-12-19T23:09:36.644" v="1" actId="20577"/>
+          <ac:spMkLst>
+            <pc:docMk/>
+            <pc:sldMk cId="3910271097" sldId="257"/>
+            <ac:spMk id="6" creationId="{BE56B045-61AA-8D88-C3B3-B2E2F7620298}"/>
+          </ac:spMkLst>
+        </pc:spChg>
+      </pc:sldChg>
+      <pc:sldChg chg="delSp modSp new">
+        <pc:chgData name="Larry Pavlik" userId="1118f5dddc1eeda9" providerId="Windows Live" clId="Web-{0EE1FAB6-915B-4BCD-A995-67B9906F4FB0}" dt="2024-12-19T23:58:51.356" v="22" actId="20577"/>
+        <pc:sldMkLst>
+          <pc:docMk/>
+          <pc:sldMk cId="983261777" sldId="274"/>
+        </pc:sldMkLst>
+        <pc:spChg chg="mod">
+          <ac:chgData name="Larry Pavlik" userId="1118f5dddc1eeda9" providerId="Windows Live" clId="Web-{0EE1FAB6-915B-4BCD-A995-67B9906F4FB0}" dt="2024-12-19T23:58:51.356" v="22" actId="20577"/>
+          <ac:spMkLst>
+            <pc:docMk/>
+            <pc:sldMk cId="983261777" sldId="274"/>
+            <ac:spMk id="2" creationId="{7D1DA74F-1212-43FE-4A2F-B918155D5B9E}"/>
+          </ac:spMkLst>
+        </pc:spChg>
+        <pc:spChg chg="del">
+          <ac:chgData name="Larry Pavlik" userId="1118f5dddc1eeda9" providerId="Windows Live" clId="Web-{0EE1FAB6-915B-4BCD-A995-67B9906F4FB0}" dt="2024-12-19T23:58:36.183" v="9"/>
+          <ac:spMkLst>
+            <pc:docMk/>
+            <pc:sldMk cId="983261777" sldId="274"/>
+            <ac:spMk id="3" creationId="{19EBDE07-B69E-2D97-6A14-C41598ADDA0F}"/>
+          </ac:spMkLst>
+        </pc:spChg>
+        <pc:spChg chg="del">
+          <ac:chgData name="Larry Pavlik" userId="1118f5dddc1eeda9" providerId="Windows Live" clId="Web-{0EE1FAB6-915B-4BCD-A995-67B9906F4FB0}" dt="2024-12-19T23:58:37.527" v="10"/>
+          <ac:spMkLst>
+            <pc:docMk/>
+            <pc:sldMk cId="983261777" sldId="274"/>
+            <ac:spMk id="4" creationId="{E6F3E895-A97D-3317-9B30-332E7D8E4489}"/>
+          </ac:spMkLst>
+        </pc:spChg>
+        <pc:spChg chg="del">
+          <ac:chgData name="Larry Pavlik" userId="1118f5dddc1eeda9" providerId="Windows Live" clId="Web-{0EE1FAB6-915B-4BCD-A995-67B9906F4FB0}" dt="2024-12-19T23:58:39.699" v="12"/>
+          <ac:spMkLst>
+            <pc:docMk/>
+            <pc:sldMk cId="983261777" sldId="274"/>
+            <ac:spMk id="5" creationId="{1C5BE707-20AA-E7AD-03F2-05B8F992363F}"/>
+          </ac:spMkLst>
+        </pc:spChg>
+        <pc:spChg chg="del">
+          <ac:chgData name="Larry Pavlik" userId="1118f5dddc1eeda9" providerId="Windows Live" clId="Web-{0EE1FAB6-915B-4BCD-A995-67B9906F4FB0}" dt="2024-12-19T23:58:38.996" v="11"/>
+          <ac:spMkLst>
+            <pc:docMk/>
+            <pc:sldMk cId="983261777" sldId="274"/>
+            <ac:spMk id="6" creationId="{88D313B7-3EC9-256D-4DA0-77A0825D2D51}"/>
+          </ac:spMkLst>
+        </pc:spChg>
+      </pc:sldChg>
+      <pc:sldChg chg="addSp delSp modSp new del">
+        <pc:chgData name="Larry Pavlik" userId="1118f5dddc1eeda9" providerId="Windows Live" clId="Web-{0EE1FAB6-915B-4BCD-A995-67B9906F4FB0}" dt="2024-12-19T23:37:05.619" v="6"/>
+        <pc:sldMkLst>
+          <pc:docMk/>
+          <pc:sldMk cId="2090645973" sldId="274"/>
+        </pc:sldMkLst>
+        <pc:spChg chg="del">
+          <ac:chgData name="Larry Pavlik" userId="1118f5dddc1eeda9" providerId="Windows Live" clId="Web-{0EE1FAB6-915B-4BCD-A995-67B9906F4FB0}" dt="2024-12-19T23:36:03.885" v="3"/>
+          <ac:spMkLst>
+            <pc:docMk/>
+            <pc:sldMk cId="2090645973" sldId="274"/>
+            <ac:spMk id="2" creationId="{C2DA311F-BCF4-2769-CF04-5191B5A28473}"/>
+          </ac:spMkLst>
+        </pc:spChg>
+        <pc:spChg chg="del">
+          <ac:chgData name="Larry Pavlik" userId="1118f5dddc1eeda9" providerId="Windows Live" clId="Web-{0EE1FAB6-915B-4BCD-A995-67B9906F4FB0}" dt="2024-12-19T23:36:05.807" v="4"/>
+          <ac:spMkLst>
+            <pc:docMk/>
+            <pc:sldMk cId="2090645973" sldId="274"/>
+            <ac:spMk id="3" creationId="{3BC6CC2A-5004-978A-9C3E-801146FAC948}"/>
+          </ac:spMkLst>
+        </pc:spChg>
+        <pc:picChg chg="add mod">
+          <ac:chgData name="Larry Pavlik" userId="1118f5dddc1eeda9" providerId="Windows Live" clId="Web-{0EE1FAB6-915B-4BCD-A995-67B9906F4FB0}" dt="2024-12-19T23:36:07.775" v="5"/>
+          <ac:picMkLst>
+            <pc:docMk/>
+            <pc:sldMk cId="2090645973" sldId="274"/>
+            <ac:picMk id="4" creationId="{427E270E-B93E-D5A0-2109-6364A0B4B926}"/>
+          </ac:picMkLst>
+        </pc:picChg>
+      </pc:sldChg>
+    </pc:docChg>
+  </pc:docChgLst>
   <pc:docChgLst>
     <pc:chgData name="Larry Pavlik" userId="1118f5dddc1eeda9" providerId="Windows Live" clId="Web-{270AB700-17E7-4F24-BF19-25888B5CFBE0}"/>
     <pc:docChg chg="modSld">
@@ -714,6 +835,153 @@
       </pc:sldChg>
     </pc:docChg>
   </pc:docChgLst>
+  <pc:docChgLst>
+    <pc:chgData name="Guest User" providerId="Windows Live" clId="Web-{863AD318-60DC-436B-B46F-4ED2E0E894E5}"/>
+    <pc:docChg chg="modSld">
+      <pc:chgData name="Guest User" userId="" providerId="Windows Live" clId="Web-{863AD318-60DC-436B-B46F-4ED2E0E894E5}" dt="2024-12-19T00:45:13.830" v="25"/>
+      <pc:docMkLst>
+        <pc:docMk/>
+      </pc:docMkLst>
+      <pc:sldChg chg="addSp modSp">
+        <pc:chgData name="Guest User" userId="" providerId="Windows Live" clId="Web-{863AD318-60DC-436B-B46F-4ED2E0E894E5}" dt="2024-12-19T00:13:10.153" v="11" actId="1076"/>
+        <pc:sldMkLst>
+          <pc:docMk/>
+          <pc:sldMk cId="205597501" sldId="262"/>
+        </pc:sldMkLst>
+        <pc:picChg chg="add mod modCrop">
+          <ac:chgData name="Guest User" userId="" providerId="Windows Live" clId="Web-{863AD318-60DC-436B-B46F-4ED2E0E894E5}" dt="2024-12-19T00:13:10.153" v="11" actId="1076"/>
+          <ac:picMkLst>
+            <pc:docMk/>
+            <pc:sldMk cId="205597501" sldId="262"/>
+            <ac:picMk id="3" creationId="{DEA8CCA2-6D11-6F4C-EB30-A95E186A4165}"/>
+          </ac:picMkLst>
+        </pc:picChg>
+        <pc:picChg chg="mod">
+          <ac:chgData name="Guest User" userId="" providerId="Windows Live" clId="Web-{863AD318-60DC-436B-B46F-4ED2E0E894E5}" dt="2024-12-19T00:12:24.698" v="3" actId="1076"/>
+          <ac:picMkLst>
+            <pc:docMk/>
+            <pc:sldMk cId="205597501" sldId="262"/>
+            <ac:picMk id="5" creationId="{34BD8F62-1527-BAD1-327E-095BA917BAAB}"/>
+          </ac:picMkLst>
+        </pc:picChg>
+      </pc:sldChg>
+      <pc:sldChg chg="modSp">
+        <pc:chgData name="Guest User" userId="" providerId="Windows Live" clId="Web-{863AD318-60DC-436B-B46F-4ED2E0E894E5}" dt="2024-12-19T00:45:13.830" v="25"/>
+        <pc:sldMkLst>
+          <pc:docMk/>
+          <pc:sldMk cId="3267968498" sldId="273"/>
+        </pc:sldMkLst>
+        <pc:picChg chg="mod modCrop">
+          <ac:chgData name="Guest User" userId="" providerId="Windows Live" clId="Web-{863AD318-60DC-436B-B46F-4ED2E0E894E5}" dt="2024-12-19T00:45:13.830" v="25"/>
+          <ac:picMkLst>
+            <pc:docMk/>
+            <pc:sldMk cId="3267968498" sldId="273"/>
+            <ac:picMk id="4" creationId="{C1519053-00F3-FB73-3AC7-3AC3A4D5FBDB}"/>
+          </ac:picMkLst>
+        </pc:picChg>
+      </pc:sldChg>
+    </pc:docChg>
+  </pc:docChgLst>
+  <pc:docChgLst>
+    <pc:chgData name="Larry Pavlik" userId="1118f5dddc1eeda9" providerId="Windows Live" clId="Web-{7C749E66-FAC9-4F97-B5F6-BA4532D681D7}"/>
+    <pc:docChg chg="addSld delSld modSld sldOrd">
+      <pc:chgData name="Larry Pavlik" userId="1118f5dddc1eeda9" providerId="Windows Live" clId="Web-{7C749E66-FAC9-4F97-B5F6-BA4532D681D7}" dt="2024-12-19T00:27:55.190" v="212" actId="20577"/>
+      <pc:docMkLst>
+        <pc:docMk/>
+      </pc:docMkLst>
+      <pc:sldChg chg="ord">
+        <pc:chgData name="Larry Pavlik" userId="1118f5dddc1eeda9" providerId="Windows Live" clId="Web-{7C749E66-FAC9-4F97-B5F6-BA4532D681D7}" dt="2024-12-19T00:21:19.818" v="48"/>
+        <pc:sldMkLst>
+          <pc:docMk/>
+          <pc:sldMk cId="205597501" sldId="262"/>
+        </pc:sldMkLst>
+      </pc:sldChg>
+      <pc:sldChg chg="modSp ord">
+        <pc:chgData name="Larry Pavlik" userId="1118f5dddc1eeda9" providerId="Windows Live" clId="Web-{7C749E66-FAC9-4F97-B5F6-BA4532D681D7}" dt="2024-12-19T00:27:55.190" v="212" actId="20577"/>
+        <pc:sldMkLst>
+          <pc:docMk/>
+          <pc:sldMk cId="1680395916" sldId="264"/>
+        </pc:sldMkLst>
+        <pc:spChg chg="mod">
+          <ac:chgData name="Larry Pavlik" userId="1118f5dddc1eeda9" providerId="Windows Live" clId="Web-{7C749E66-FAC9-4F97-B5F6-BA4532D681D7}" dt="2024-12-19T00:20:20.332" v="45" actId="14100"/>
+          <ac:spMkLst>
+            <pc:docMk/>
+            <pc:sldMk cId="1680395916" sldId="264"/>
+            <ac:spMk id="2" creationId="{971CFED3-BD1F-CB64-BCCB-B19B658C500F}"/>
+          </ac:spMkLst>
+        </pc:spChg>
+        <pc:spChg chg="mod">
+          <ac:chgData name="Larry Pavlik" userId="1118f5dddc1eeda9" providerId="Windows Live" clId="Web-{7C749E66-FAC9-4F97-B5F6-BA4532D681D7}" dt="2024-12-19T00:27:55.190" v="212" actId="20577"/>
+          <ac:spMkLst>
+            <pc:docMk/>
+            <pc:sldMk cId="1680395916" sldId="264"/>
+            <ac:spMk id="4" creationId="{34B6486E-4808-507F-3C6B-513E07825EA4}"/>
+          </ac:spMkLst>
+        </pc:spChg>
+        <pc:picChg chg="mod">
+          <ac:chgData name="Larry Pavlik" userId="1118f5dddc1eeda9" providerId="Windows Live" clId="Web-{7C749E66-FAC9-4F97-B5F6-BA4532D681D7}" dt="2024-12-19T00:24:33.340" v="117" actId="14100"/>
+          <ac:picMkLst>
+            <pc:docMk/>
+            <pc:sldMk cId="1680395916" sldId="264"/>
+            <ac:picMk id="5" creationId="{6602A9DB-E162-F2BE-F07A-6E84BFA596EE}"/>
+          </ac:picMkLst>
+        </pc:picChg>
+      </pc:sldChg>
+      <pc:sldChg chg="del ord">
+        <pc:chgData name="Larry Pavlik" userId="1118f5dddc1eeda9" providerId="Windows Live" clId="Web-{7C749E66-FAC9-4F97-B5F6-BA4532D681D7}" dt="2024-12-19T00:16:20.480" v="42"/>
+        <pc:sldMkLst>
+          <pc:docMk/>
+          <pc:sldMk cId="3247240348" sldId="267"/>
+        </pc:sldMkLst>
+      </pc:sldChg>
+      <pc:sldChg chg="modSp">
+        <pc:chgData name="Larry Pavlik" userId="1118f5dddc1eeda9" providerId="Windows Live" clId="Web-{7C749E66-FAC9-4F97-B5F6-BA4532D681D7}" dt="2024-12-18T23:58:20.507" v="36" actId="20577"/>
+        <pc:sldMkLst>
+          <pc:docMk/>
+          <pc:sldMk cId="3830639506" sldId="271"/>
+        </pc:sldMkLst>
+        <pc:spChg chg="mod">
+          <ac:chgData name="Larry Pavlik" userId="1118f5dddc1eeda9" providerId="Windows Live" clId="Web-{7C749E66-FAC9-4F97-B5F6-BA4532D681D7}" dt="2024-12-18T23:58:20.507" v="36" actId="20577"/>
+          <ac:spMkLst>
+            <pc:docMk/>
+            <pc:sldMk cId="3830639506" sldId="271"/>
+            <ac:spMk id="3" creationId="{0FA8B642-D655-8610-394F-01E330FB4CDD}"/>
+          </ac:spMkLst>
+        </pc:spChg>
+      </pc:sldChg>
+      <pc:sldChg chg="addSp delSp modSp new">
+        <pc:chgData name="Larry Pavlik" userId="1118f5dddc1eeda9" providerId="Windows Live" clId="Web-{7C749E66-FAC9-4F97-B5F6-BA4532D681D7}" dt="2024-12-19T00:09:03.528" v="41"/>
+        <pc:sldMkLst>
+          <pc:docMk/>
+          <pc:sldMk cId="3267968498" sldId="273"/>
+        </pc:sldMkLst>
+        <pc:spChg chg="del">
+          <ac:chgData name="Larry Pavlik" userId="1118f5dddc1eeda9" providerId="Windows Live" clId="Web-{7C749E66-FAC9-4F97-B5F6-BA4532D681D7}" dt="2024-12-19T00:09:01.653" v="40"/>
+          <ac:spMkLst>
+            <pc:docMk/>
+            <pc:sldMk cId="3267968498" sldId="273"/>
+            <ac:spMk id="2" creationId="{532FC21A-54D6-582F-C5DF-B4904345DD40}"/>
+          </ac:spMkLst>
+        </pc:spChg>
+        <pc:spChg chg="del">
+          <ac:chgData name="Larry Pavlik" userId="1118f5dddc1eeda9" providerId="Windows Live" clId="Web-{7C749E66-FAC9-4F97-B5F6-BA4532D681D7}" dt="2024-12-19T00:09:00.106" v="39"/>
+          <ac:spMkLst>
+            <pc:docMk/>
+            <pc:sldMk cId="3267968498" sldId="273"/>
+            <ac:spMk id="3" creationId="{EDC12F01-A892-46EA-D07A-F73876C6892E}"/>
+          </ac:spMkLst>
+        </pc:spChg>
+        <pc:picChg chg="add mod">
+          <ac:chgData name="Larry Pavlik" userId="1118f5dddc1eeda9" providerId="Windows Live" clId="Web-{7C749E66-FAC9-4F97-B5F6-BA4532D681D7}" dt="2024-12-19T00:09:03.528" v="41"/>
+          <ac:picMkLst>
+            <pc:docMk/>
+            <pc:sldMk cId="3267968498" sldId="273"/>
+            <ac:picMk id="4" creationId="{C1519053-00F3-FB73-3AC7-3AC3A4D5FBDB}"/>
+          </ac:picMkLst>
+        </pc:picChg>
+      </pc:sldChg>
+    </pc:docChg>
+  </pc:docChgLst>
 </pc:chgInfo>
 </file>
 
@@ -874,7 +1142,7 @@
           <a:p>
             <a:fld id="{64F0E216-BA48-4F04-AC4F-645AA0DD6AC6}" type="datetimeFigureOut">
               <a:rPr lang="en-US" smtClean="0"/>
-              <a:t>12/17/2024</a:t>
+              <a:t>12/19/2024</a:t>
             </a:fld>
             <a:endParaRPr lang="en-US"/>
           </a:p>
@@ -1921,7 +2189,7 @@
           <a:p>
             <a:fld id="{64F0E216-BA48-4F04-AC4F-645AA0DD6AC6}" type="datetimeFigureOut">
               <a:rPr lang="en-US" smtClean="0"/>
-              <a:t>12/17/2024</a:t>
+              <a:t>12/19/2024</a:t>
             </a:fld>
             <a:endParaRPr lang="en-US"/>
           </a:p>
@@ -2155,7 +2423,7 @@
           <a:p>
             <a:fld id="{64F0E216-BA48-4F04-AC4F-645AA0DD6AC6}" type="datetimeFigureOut">
               <a:rPr lang="en-US" smtClean="0"/>
-              <a:t>12/17/2024</a:t>
+              <a:t>12/19/2024</a:t>
             </a:fld>
             <a:endParaRPr lang="en-US"/>
           </a:p>
@@ -2377,7 +2645,7 @@
           <a:p>
             <a:fld id="{64F0E216-BA48-4F04-AC4F-645AA0DD6AC6}" type="datetimeFigureOut">
               <a:rPr lang="en-US" smtClean="0"/>
-              <a:t>12/17/2024</a:t>
+              <a:t>12/19/2024</a:t>
             </a:fld>
             <a:endParaRPr lang="en-US"/>
           </a:p>
@@ -2678,7 +2946,7 @@
           <a:p>
             <a:fld id="{64F0E216-BA48-4F04-AC4F-645AA0DD6AC6}" type="datetimeFigureOut">
               <a:rPr lang="en-US" smtClean="0"/>
-              <a:t>12/17/2024</a:t>
+              <a:t>12/19/2024</a:t>
             </a:fld>
             <a:endParaRPr lang="en-US"/>
           </a:p>
@@ -4139,7 +4407,7 @@
           <a:p>
             <a:fld id="{64F0E216-BA48-4F04-AC4F-645AA0DD6AC6}" type="datetimeFigureOut">
               <a:rPr lang="en-US" smtClean="0"/>
-              <a:t>12/17/2024</a:t>
+              <a:t>12/19/2024</a:t>
             </a:fld>
             <a:endParaRPr lang="en-US"/>
           </a:p>
@@ -4603,7 +4871,7 @@
           <a:p>
             <a:fld id="{64F0E216-BA48-4F04-AC4F-645AA0DD6AC6}" type="datetimeFigureOut">
               <a:rPr lang="en-US" smtClean="0"/>
-              <a:t>12/17/2024</a:t>
+              <a:t>12/19/2024</a:t>
             </a:fld>
             <a:endParaRPr lang="en-US"/>
           </a:p>
@@ -4777,7 +5045,7 @@
           <a:p>
             <a:fld id="{64F0E216-BA48-4F04-AC4F-645AA0DD6AC6}" type="datetimeFigureOut">
               <a:rPr lang="en-US" smtClean="0"/>
-              <a:t>12/17/2024</a:t>
+              <a:t>12/19/2024</a:t>
             </a:fld>
             <a:endParaRPr lang="en-US"/>
           </a:p>
@@ -4914,7 +5182,7 @@
           <a:p>
             <a:fld id="{64F0E216-BA48-4F04-AC4F-645AA0DD6AC6}" type="datetimeFigureOut">
               <a:rPr lang="en-US" smtClean="0"/>
-              <a:t>12/17/2024</a:t>
+              <a:t>12/19/2024</a:t>
             </a:fld>
             <a:endParaRPr lang="en-US"/>
           </a:p>
@@ -5262,7 +5530,7 @@
           <a:p>
             <a:fld id="{64F0E216-BA48-4F04-AC4F-645AA0DD6AC6}" type="datetimeFigureOut">
               <a:rPr lang="en-US" smtClean="0"/>
-              <a:t>12/17/2024</a:t>
+              <a:t>12/19/2024</a:t>
             </a:fld>
             <a:endParaRPr lang="en-US"/>
           </a:p>
@@ -5581,7 +5849,7 @@
           <a:p>
             <a:fld id="{64F0E216-BA48-4F04-AC4F-645AA0DD6AC6}" type="datetimeFigureOut">
               <a:rPr lang="en-US" smtClean="0"/>
-              <a:t>12/17/2024</a:t>
+              <a:t>12/19/2024</a:t>
             </a:fld>
             <a:endParaRPr lang="en-US"/>
           </a:p>
@@ -5841,7 +6109,7 @@
             <a:fld id="{64F0E216-BA48-4F04-AC4F-645AA0DD6AC6}" type="datetimeFigureOut">
               <a:rPr lang="en-US" smtClean="0"/>
               <a:pPr/>
-              <a:t>12/17/2024</a:t>
+              <a:t>12/19/2024</a:t>
             </a:fld>
             <a:endParaRPr lang="en-US"/>
           </a:p>
@@ -6440,7 +6708,7 @@
         </p:nvSpPr>
         <p:spPr>
           <a:xfrm>
-            <a:off x="4980779" y="4113213"/>
+            <a:off x="4638856" y="4103444"/>
             <a:ext cx="6816480" cy="1655762"/>
           </a:xfrm>
         </p:spPr>
@@ -6568,185 +6836,39 @@
           <a:chExt cx="0" cy="0"/>
         </a:xfrm>
       </p:grpSpPr>
-      <p:sp>
-        <p:nvSpPr>
-          <p:cNvPr id="2" name="Title 1">
-            <a:extLst>
-              <a:ext uri="{FF2B5EF4-FFF2-40B4-BE49-F238E27FC236}">
-                <a16:creationId xmlns:a16="http://schemas.microsoft.com/office/drawing/2014/main" id="{39DB55B9-7C62-E65E-FDDB-97EF563EC737}"/>
-              </a:ext>
-            </a:extLst>
-          </p:cNvPr>
-          <p:cNvSpPr>
-            <a:spLocks noGrp="1"/>
-          </p:cNvSpPr>
-          <p:nvPr>
-            <p:ph type="title"/>
-          </p:nvPr>
-        </p:nvSpPr>
-        <p:spPr>
-          <a:xfrm>
-            <a:off x="804333" y="460905"/>
-            <a:ext cx="10026650" cy="1004887"/>
-          </a:xfrm>
-        </p:spPr>
-        <p:txBody>
-          <a:bodyPr>
-            <a:normAutofit/>
-          </a:bodyPr>
-          <a:lstStyle/>
-          <a:p>
-            <a:pPr algn="ctr"/>
-            <a:r>
-              <a:rPr lang="en-US" sz="3200">
-                <a:solidFill>
-                  <a:schemeClr val="accent2"/>
-                </a:solidFill>
-                <a:latin typeface="Consolas"/>
-              </a:rPr>
-              <a:t>Explanation of Weights for composite score:</a:t>
-            </a:r>
-            <a:endParaRPr lang="en-US" sz="3200">
-              <a:solidFill>
-                <a:schemeClr val="accent2"/>
-              </a:solidFill>
-            </a:endParaRPr>
-          </a:p>
-        </p:txBody>
-      </p:sp>
-      <p:sp>
-        <p:nvSpPr>
-          <p:cNvPr id="3" name="Content Placeholder 2">
-            <a:extLst>
-              <a:ext uri="{FF2B5EF4-FFF2-40B4-BE49-F238E27FC236}">
-                <a16:creationId xmlns:a16="http://schemas.microsoft.com/office/drawing/2014/main" id="{0FA8B642-D655-8610-394F-01E330FB4CDD}"/>
-              </a:ext>
-            </a:extLst>
-          </p:cNvPr>
-          <p:cNvSpPr>
-            <a:spLocks noGrp="1"/>
-          </p:cNvSpPr>
-          <p:nvPr>
-            <p:ph idx="1"/>
-          </p:nvPr>
-        </p:nvSpPr>
-        <p:spPr>
-          <a:xfrm>
-            <a:off x="1079500" y="1790700"/>
-            <a:ext cx="10026650" cy="4518025"/>
-          </a:xfrm>
-        </p:spPr>
-        <p:txBody>
-          <a:bodyPr vert="horz" lIns="0" tIns="0" rIns="0" bIns="0" rtlCol="0" anchor="t" anchorCtr="0">
-            <a:noAutofit/>
-          </a:bodyPr>
-          <a:lstStyle/>
-          <a:p>
-            <a:pPr marL="359410" indent="-359410">
-              <a:buClr>
-                <a:srgbClr val="8FAADC"/>
-              </a:buClr>
-            </a:pPr>
-            <a:r>
-              <a:rPr lang="en-US" sz="2400" b="1">
-                <a:solidFill>
-                  <a:srgbClr val="569CD6"/>
-                </a:solidFill>
-                <a:latin typeface="Consolas"/>
-              </a:rPr>
-              <a:t>Wins: are weighted most heavily as they reflect direct success in battles.</a:t>
-            </a:r>
-            <a:endParaRPr lang="en-US" sz="2400">
-              <a:solidFill>
-                <a:srgbClr val="FFFFFF">
-                  <a:alpha val="70000"/>
-                </a:srgbClr>
-              </a:solidFill>
-            </a:endParaRPr>
-          </a:p>
-          <a:p>
-            <a:pPr marL="359410" indent="-359410">
-              <a:buClr>
-                <a:srgbClr val="8FAADC"/>
-              </a:buClr>
-            </a:pPr>
-            <a:r>
-              <a:rPr lang="en-US" sz="2400" b="1">
-                <a:solidFill>
-                  <a:srgbClr val="569CD6"/>
-                </a:solidFill>
-                <a:latin typeface="Consolas"/>
-              </a:rPr>
-              <a:t>Battle Experience: is the second most important factor, as seasoned gladiators are likely to perform better.</a:t>
-            </a:r>
-            <a:endParaRPr lang="en-US" sz="2400">
-              <a:solidFill>
-                <a:srgbClr val="FFFFFF">
-                  <a:alpha val="70000"/>
-                </a:srgbClr>
-              </a:solidFill>
-            </a:endParaRPr>
-          </a:p>
-          <a:p>
-            <a:pPr marL="359410" indent="-359410">
-              <a:buClr>
-                <a:srgbClr val="8FAADC"/>
-              </a:buClr>
-            </a:pPr>
-            <a:r>
-              <a:rPr lang="en-US" sz="2400" b="1">
-                <a:solidFill>
-                  <a:srgbClr val="569CD6"/>
-                </a:solidFill>
-                <a:latin typeface="Consolas"/>
-              </a:rPr>
-              <a:t>Public Favor: Popularity among the crowd matters but is given slightly less weight.</a:t>
-            </a:r>
-            <a:endParaRPr lang="en-US" sz="2400">
-              <a:solidFill>
-                <a:srgbClr val="FFFFFF">
-                  <a:alpha val="70000"/>
-                </a:srgbClr>
-              </a:solidFill>
-            </a:endParaRPr>
-          </a:p>
-          <a:p>
-            <a:pPr marL="359410" indent="-359410">
-              <a:buClr>
-                <a:srgbClr val="8FAADC"/>
-              </a:buClr>
-            </a:pPr>
-            <a:r>
-              <a:rPr lang="en-US" sz="2400" b="1">
-                <a:solidFill>
-                  <a:srgbClr val="569CD6"/>
-                </a:solidFill>
-                <a:latin typeface="Consolas"/>
-              </a:rPr>
-              <a:t>Survived: Survival status contributes a small amount to the score.</a:t>
-            </a:r>
-            <a:endParaRPr lang="en-US" sz="2400"/>
-          </a:p>
-          <a:p>
-            <a:pPr marL="359410" indent="-359410">
-              <a:buClr>
-                <a:srgbClr val="8FAADC"/>
-              </a:buClr>
-            </a:pPr>
-            <a:endParaRPr lang="en-US">
-              <a:solidFill>
-                <a:srgbClr val="FFFFFF">
-                  <a:alpha val="70000"/>
-                </a:srgbClr>
-              </a:solidFill>
-            </a:endParaRPr>
-          </a:p>
-        </p:txBody>
-      </p:sp>
+      <p:pic>
+        <p:nvPicPr>
+          <p:cNvPr id="4" name="Picture 3">
+            <a:extLst>
+              <a:ext uri="{FF2B5EF4-FFF2-40B4-BE49-F238E27FC236}">
+                <a16:creationId xmlns:a16="http://schemas.microsoft.com/office/drawing/2014/main" id="{C1519053-00F3-FB73-3AC7-3AC3A4D5FBDB}"/>
+              </a:ext>
+            </a:extLst>
+          </p:cNvPr>
+          <p:cNvPicPr>
+            <a:picLocks noChangeAspect="1"/>
+          </p:cNvPicPr>
+          <p:nvPr/>
+        </p:nvPicPr>
+        <p:blipFill>
+          <a:blip r:embed="rId2"/>
+          <a:srcRect l="-243" t="1468" r="-2555" b="-2569"/>
+          <a:stretch/>
+        </p:blipFill>
+        <p:spPr>
+          <a:xfrm>
+            <a:off x="1963654" y="675272"/>
+            <a:ext cx="8466281" cy="5527530"/>
+          </a:xfrm>
+          <a:prstGeom prst="rect">
+            <a:avLst/>
+          </a:prstGeom>
+        </p:spPr>
+      </p:pic>
     </p:spTree>
     <p:extLst>
       <p:ext uri="{BB962C8B-B14F-4D97-AF65-F5344CB8AC3E}">
-        <p14:creationId xmlns:p14="http://schemas.microsoft.com/office/powerpoint/2010/main" val="3830639506"/>
+        <p14:creationId xmlns:p14="http://schemas.microsoft.com/office/powerpoint/2010/main" val="3267968498"/>
       </p:ext>
     </p:extLst>
   </p:cSld>
@@ -7258,6 +7380,65 @@
     <p:extLst>
       <p:ext uri="{BB962C8B-B14F-4D97-AF65-F5344CB8AC3E}">
         <p14:creationId xmlns:p14="http://schemas.microsoft.com/office/powerpoint/2010/main" val="3934914789"/>
+      </p:ext>
+    </p:extLst>
+  </p:cSld>
+  <p:clrMapOvr>
+    <a:masterClrMapping/>
+  </p:clrMapOvr>
+</p:sld>
+</file>
+
+<file path=ppt/slides/slide17.xml><?xml version="1.0" encoding="utf-8"?>
+<p:sld xmlns:a="http://schemas.openxmlformats.org/drawingml/2006/main" xmlns:r="http://schemas.openxmlformats.org/officeDocument/2006/relationships" xmlns:p="http://schemas.openxmlformats.org/presentationml/2006/main">
+  <p:cSld>
+    <p:spTree>
+      <p:nvGrpSpPr>
+        <p:cNvPr id="1" name=""/>
+        <p:cNvGrpSpPr/>
+        <p:nvPr/>
+      </p:nvGrpSpPr>
+      <p:grpSpPr>
+        <a:xfrm>
+          <a:off x="0" y="0"/>
+          <a:ext cx="0" cy="0"/>
+          <a:chOff x="0" y="0"/>
+          <a:chExt cx="0" cy="0"/>
+        </a:xfrm>
+      </p:grpSpPr>
+      <p:sp>
+        <p:nvSpPr>
+          <p:cNvPr id="2" name="Title 1">
+            <a:extLst>
+              <a:ext uri="{FF2B5EF4-FFF2-40B4-BE49-F238E27FC236}">
+                <a16:creationId xmlns:a16="http://schemas.microsoft.com/office/drawing/2014/main" id="{7D1DA74F-1212-43FE-4A2F-B918155D5B9E}"/>
+              </a:ext>
+            </a:extLst>
+          </p:cNvPr>
+          <p:cNvSpPr>
+            <a:spLocks noGrp="1"/>
+          </p:cNvSpPr>
+          <p:nvPr>
+            <p:ph type="title"/>
+          </p:nvPr>
+        </p:nvSpPr>
+        <p:spPr/>
+        <p:txBody>
+          <a:bodyPr/>
+          <a:lstStyle/>
+          <a:p>
+            <a:pPr algn="ctr"/>
+            <a:r>
+              <a:rPr lang="en-US"/>
+              <a:t>Any questions?</a:t>
+            </a:r>
+          </a:p>
+        </p:txBody>
+      </p:sp>
+    </p:spTree>
+    <p:extLst>
+      <p:ext uri="{BB962C8B-B14F-4D97-AF65-F5344CB8AC3E}">
+        <p14:creationId xmlns:p14="http://schemas.microsoft.com/office/powerpoint/2010/main" val="983261777"/>
       </p:ext>
     </p:extLst>
   </p:cSld>
@@ -7359,7 +7540,7 @@
             </a:pPr>
             <a:r>
               <a:rPr lang="en-US"/>
-              <a:t>Our project answers the big questions of life - gladiator survival. How did they survive, what helped them in the arena and who survived most often with these factors. We have answered these questions on your behalf. We will show how the data was sourced, prepped, and the results, along with some graphs for your visual pleasure and aid. Are you ready to be entertained? </a:t>
+              <a:t>Our project answers the big questions of life - gladiator survival. How did they survive, what helped them in the arena and who survived most often with these factors. We have answered these questions on your behalf. We will show how the data was sourced, prepped, and the results, along with some graphs for your visual pleasure and aid.  Are you ready to be entertained? </a:t>
             </a:r>
           </a:p>
         </p:txBody>
@@ -8268,7 +8449,7 @@
           <p:cNvPr id="2" name="Title 1">
             <a:extLst>
               <a:ext uri="{FF2B5EF4-FFF2-40B4-BE49-F238E27FC236}">
-                <a16:creationId xmlns:a16="http://schemas.microsoft.com/office/drawing/2014/main" id="{079D3112-11F3-4B0F-1865-EA2629F7BE8E}"/>
+                <a16:creationId xmlns:a16="http://schemas.microsoft.com/office/drawing/2014/main" id="{971CFED3-BD1F-CB64-BCCB-B19B658C500F}"/>
               </a:ext>
             </a:extLst>
           </p:cNvPr>
@@ -8281,20 +8462,24 @@
         </p:nvSpPr>
         <p:spPr>
           <a:xfrm>
-            <a:off x="1085850" y="0"/>
-            <a:ext cx="10026650" cy="655637"/>
+            <a:off x="158276" y="176530"/>
+            <a:ext cx="11709872" cy="912495"/>
           </a:xfrm>
         </p:spPr>
         <p:txBody>
           <a:bodyPr>
-            <a:normAutofit fontScale="90000"/>
+            <a:normAutofit/>
           </a:bodyPr>
           <a:lstStyle/>
           <a:p>
             <a:pPr algn="ctr"/>
             <a:r>
+              <a:rPr lang="en-US" sz="1800"/>
+              <a:t>WHAT FACTORS MOST INFLUENCE WHETHER A GLADIATOR SURVIVES?</a:t>
+            </a:r>
+            <a:r>
               <a:rPr lang="en-US"/>
-              <a:t>ARE YOUNGER GLADIATORS MORE LIKELY TO WIN OR SURVIVE THAN OLDER ONES?</a:t>
+              <a:t> </a:t>
             </a:r>
           </a:p>
         </p:txBody>
@@ -8304,7 +8489,7 @@
           <p:cNvPr id="5" name="Content Placeholder 4" descr="A graph of different colored bars&#10;&#10;Description automatically generated">
             <a:extLst>
               <a:ext uri="{FF2B5EF4-FFF2-40B4-BE49-F238E27FC236}">
-                <a16:creationId xmlns:a16="http://schemas.microsoft.com/office/drawing/2014/main" id="{4BAF3928-6231-95B0-2C7B-C6DFC78FDD2B}"/>
+                <a16:creationId xmlns:a16="http://schemas.microsoft.com/office/drawing/2014/main" id="{6602A9DB-E162-F2BE-F07A-6E84BFA596EE}"/>
               </a:ext>
             </a:extLst>
           </p:cNvPr>
@@ -8312,7 +8497,7 @@
             <a:picLocks noGrp="1" noChangeAspect="1"/>
           </p:cNvPicPr>
           <p:nvPr>
-            <p:ph sz="half" idx="1"/>
+            <p:ph idx="1"/>
           </p:nvPr>
         </p:nvPicPr>
         <p:blipFill>
@@ -8329,50 +8514,108 @@
         </p:blipFill>
         <p:spPr>
           <a:xfrm>
-            <a:off x="2917926" y="811302"/>
-            <a:ext cx="6353613" cy="4886564"/>
+            <a:off x="2625216" y="632160"/>
+            <a:ext cx="6307770" cy="4852802"/>
           </a:xfrm>
         </p:spPr>
       </p:pic>
-      <p:pic>
-        <p:nvPicPr>
-          <p:cNvPr id="8" name="Content Placeholder 7">
-            <a:extLst>
-              <a:ext uri="{FF2B5EF4-FFF2-40B4-BE49-F238E27FC236}">
-                <a16:creationId xmlns:a16="http://schemas.microsoft.com/office/drawing/2014/main" id="{DCD9DF23-301C-D170-E668-4EAAE41CC707}"/>
-              </a:ext>
-            </a:extLst>
-          </p:cNvPr>
-          <p:cNvPicPr>
-            <a:picLocks noGrp="1" noChangeAspect="1"/>
-          </p:cNvPicPr>
-          <p:nvPr>
-            <p:ph sz="half" idx="2"/>
-          </p:nvPr>
-        </p:nvPicPr>
-        <p:blipFill>
-          <a:blip r:embed="rId3">
-            <a:extLst>
-              <a:ext uri="{28A0092B-C50C-407E-A947-70E740481C1C}">
-                <a14:useLocalDpi xmlns:a14="http://schemas.microsoft.com/office/drawing/2010/main" val="0"/>
-              </a:ext>
-            </a:extLst>
-          </a:blip>
-          <a:stretch>
-            <a:fillRect/>
-          </a:stretch>
-        </p:blipFill>
-        <p:spPr>
-          <a:xfrm>
-            <a:off x="0" y="5697866"/>
-            <a:ext cx="12189467" cy="1008993"/>
-          </a:xfrm>
-        </p:spPr>
-      </p:pic>
+      <p:sp>
+        <p:nvSpPr>
+          <p:cNvPr id="4" name="Title 1">
+            <a:extLst>
+              <a:ext uri="{FF2B5EF4-FFF2-40B4-BE49-F238E27FC236}">
+                <a16:creationId xmlns:a16="http://schemas.microsoft.com/office/drawing/2014/main" id="{34B6486E-4808-507F-3C6B-513E07825EA4}"/>
+              </a:ext>
+            </a:extLst>
+          </p:cNvPr>
+          <p:cNvSpPr txBox="1">
+            <a:spLocks/>
+          </p:cNvSpPr>
+          <p:nvPr/>
+        </p:nvSpPr>
+        <p:spPr>
+          <a:xfrm>
+            <a:off x="1118450" y="5564790"/>
+            <a:ext cx="10646692" cy="1288414"/>
+          </a:xfrm>
+          <a:prstGeom prst="rect">
+            <a:avLst/>
+          </a:prstGeom>
+        </p:spPr>
+        <p:txBody>
+          <a:bodyPr vert="horz" lIns="0" tIns="0" rIns="0" bIns="0" rtlCol="0" anchor="t" anchorCtr="0">
+            <a:normAutofit fontScale="92500" lnSpcReduction="10000"/>
+          </a:bodyPr>
+          <a:lstStyle>
+            <a:lvl1pPr algn="l" defTabSz="914400" rtl="0" eaLnBrk="1" latinLnBrk="0" hangingPunct="1">
+              <a:lnSpc>
+                <a:spcPct val="100000"/>
+              </a:lnSpc>
+              <a:spcBef>
+                <a:spcPct val="0"/>
+              </a:spcBef>
+              <a:buNone/>
+              <a:defRPr sz="2800" kern="1200" cap="all" spc="400" baseline="0">
+                <a:solidFill>
+                  <a:schemeClr val="tx1"/>
+                </a:solidFill>
+                <a:latin typeface="+mj-lt"/>
+                <a:ea typeface="+mj-ea"/>
+                <a:cs typeface="+mj-cs"/>
+              </a:defRPr>
+            </a:lvl1pPr>
+          </a:lstStyle>
+          <a:p>
+            <a:pPr algn="ctr"/>
+            <a:r>
+              <a:rPr lang="en-US" sz="1800"/>
+              <a:t>4 questions were posed:</a:t>
+            </a:r>
+            <a:endParaRPr lang="en-US"/>
+          </a:p>
+          <a:p>
+            <a:pPr marL="342900" indent="-342900">
+              <a:buAutoNum type="arabicParenR"/>
+            </a:pPr>
+            <a:r>
+              <a:rPr lang="en-US" sz="1800"/>
+              <a:t>What is public favor? </a:t>
+            </a:r>
+            <a:endParaRPr lang="en-US"/>
+          </a:p>
+          <a:p>
+            <a:pPr marL="342900" indent="-342900">
+              <a:buAutoNum type="arabicParenR"/>
+            </a:pPr>
+            <a:r>
+              <a:rPr lang="en-US" sz="1800"/>
+              <a:t>what factors go into the composite score?</a:t>
+            </a:r>
+          </a:p>
+          <a:p>
+            <a:pPr marL="342900" indent="-342900">
+              <a:buAutoNum type="arabicParenR"/>
+            </a:pPr>
+            <a:r>
+              <a:rPr lang="en-US" sz="1800"/>
+              <a:t>What age has the best survival rate?</a:t>
+            </a:r>
+          </a:p>
+          <a:p>
+            <a:pPr marL="342900" indent="-342900">
+              <a:buAutoNum type="arabicParenR"/>
+            </a:pPr>
+            <a:r>
+              <a:rPr lang="en-US" sz="1800"/>
+              <a:t>How did patron wealth and equipment quality factor in?</a:t>
+            </a:r>
+          </a:p>
+        </p:txBody>
+      </p:sp>
     </p:spTree>
     <p:extLst>
       <p:ext uri="{BB962C8B-B14F-4D97-AF65-F5344CB8AC3E}">
-        <p14:creationId xmlns:p14="http://schemas.microsoft.com/office/powerpoint/2010/main" val="2270930720"/>
+        <p14:creationId xmlns:p14="http://schemas.microsoft.com/office/powerpoint/2010/main" val="1680395916"/>
       </p:ext>
     </p:extLst>
   </p:cSld>
@@ -8465,9 +8708,38 @@
         </p:blipFill>
         <p:spPr>
           <a:xfrm>
-            <a:off x="2895599" y="1247924"/>
+            <a:off x="1477700" y="1238278"/>
             <a:ext cx="6400800" cy="5576712"/>
           </a:xfrm>
+        </p:spPr>
+      </p:pic>
+      <p:pic>
+        <p:nvPicPr>
+          <p:cNvPr id="3" name="Picture 2" descr="A screenshot of a computer screen&#10;&#10;Description automatically generated">
+            <a:extLst>
+              <a:ext uri="{FF2B5EF4-FFF2-40B4-BE49-F238E27FC236}">
+                <a16:creationId xmlns:a16="http://schemas.microsoft.com/office/drawing/2014/main" id="{DEA8CCA2-6D11-6F4C-EB30-A95E186A4165}"/>
+              </a:ext>
+            </a:extLst>
+          </p:cNvPr>
+          <p:cNvPicPr>
+            <a:picLocks noChangeAspect="1"/>
+          </p:cNvPicPr>
+          <p:nvPr/>
+        </p:nvPicPr>
+        <p:blipFill>
+          <a:blip r:embed="rId3"/>
+          <a:srcRect l="17224" r="13882" b="-5344"/>
+          <a:stretch/>
+        </p:blipFill>
+        <p:spPr>
+          <a:xfrm>
+            <a:off x="8515569" y="3201709"/>
+            <a:ext cx="3221458" cy="1658911"/>
+          </a:xfrm>
+          <a:prstGeom prst="rect">
+            <a:avLst/>
+          </a:prstGeom>
         </p:spPr>
       </p:pic>
     </p:spTree>
@@ -8505,7 +8777,7 @@
           <p:cNvPr id="2" name="Title 1">
             <a:extLst>
               <a:ext uri="{FF2B5EF4-FFF2-40B4-BE49-F238E27FC236}">
-                <a16:creationId xmlns:a16="http://schemas.microsoft.com/office/drawing/2014/main" id="{971CFED3-BD1F-CB64-BCCB-B19B658C500F}"/>
+                <a16:creationId xmlns:a16="http://schemas.microsoft.com/office/drawing/2014/main" id="{079D3112-11F3-4B0F-1865-EA2629F7BE8E}"/>
               </a:ext>
             </a:extLst>
           </p:cNvPr>
@@ -8518,24 +8790,20 @@
         </p:nvSpPr>
         <p:spPr>
           <a:xfrm>
-            <a:off x="1079499" y="176530"/>
-            <a:ext cx="10026650" cy="912495"/>
+            <a:off x="1085850" y="0"/>
+            <a:ext cx="10026650" cy="655637"/>
           </a:xfrm>
         </p:spPr>
         <p:txBody>
           <a:bodyPr>
-            <a:normAutofit/>
+            <a:normAutofit fontScale="90000"/>
           </a:bodyPr>
           <a:lstStyle/>
           <a:p>
             <a:pPr algn="ctr"/>
             <a:r>
-              <a:rPr lang="en-US" sz="1800"/>
-              <a:t>WHAT FACTORS MOST INFLUENCE WHETHER A GLADIATOR SURVIVES?</a:t>
-            </a:r>
-            <a:r>
               <a:rPr lang="en-US"/>
-              <a:t> </a:t>
+              <a:t>ARE YOUNGER GLADIATORS MORE LIKELY TO WIN OR SURVIVE THAN OLDER ONES?</a:t>
             </a:r>
           </a:p>
         </p:txBody>
@@ -8545,7 +8813,7 @@
           <p:cNvPr id="5" name="Content Placeholder 4" descr="A graph of different colored bars&#10;&#10;Description automatically generated">
             <a:extLst>
               <a:ext uri="{FF2B5EF4-FFF2-40B4-BE49-F238E27FC236}">
-                <a16:creationId xmlns:a16="http://schemas.microsoft.com/office/drawing/2014/main" id="{6602A9DB-E162-F2BE-F07A-6E84BFA596EE}"/>
+                <a16:creationId xmlns:a16="http://schemas.microsoft.com/office/drawing/2014/main" id="{4BAF3928-6231-95B0-2C7B-C6DFC78FDD2B}"/>
               </a:ext>
             </a:extLst>
           </p:cNvPr>
@@ -8553,7 +8821,7 @@
             <a:picLocks noGrp="1" noChangeAspect="1"/>
           </p:cNvPicPr>
           <p:nvPr>
-            <p:ph idx="1"/>
+            <p:ph sz="half" idx="1"/>
           </p:nvPr>
         </p:nvPicPr>
         <p:blipFill>
@@ -8570,91 +8838,50 @@
         </p:blipFill>
         <p:spPr>
           <a:xfrm>
-            <a:off x="2465992" y="905115"/>
-            <a:ext cx="6296397" cy="4807310"/>
+            <a:off x="2917926" y="811302"/>
+            <a:ext cx="6353613" cy="4886564"/>
           </a:xfrm>
         </p:spPr>
       </p:pic>
-      <p:sp>
-        <p:nvSpPr>
-          <p:cNvPr id="4" name="Title 1">
-            <a:extLst>
-              <a:ext uri="{FF2B5EF4-FFF2-40B4-BE49-F238E27FC236}">
-                <a16:creationId xmlns:a16="http://schemas.microsoft.com/office/drawing/2014/main" id="{34B6486E-4808-507F-3C6B-513E07825EA4}"/>
-              </a:ext>
-            </a:extLst>
-          </p:cNvPr>
-          <p:cNvSpPr txBox="1">
-            <a:spLocks/>
-          </p:cNvSpPr>
-          <p:nvPr/>
-        </p:nvSpPr>
-        <p:spPr>
-          <a:xfrm>
-            <a:off x="1084331" y="5951476"/>
-            <a:ext cx="10123528" cy="901728"/>
-          </a:xfrm>
-          <a:prstGeom prst="rect">
-            <a:avLst/>
-          </a:prstGeom>
-        </p:spPr>
-        <p:txBody>
-          <a:bodyPr vert="horz" lIns="0" tIns="0" rIns="0" bIns="0" rtlCol="0" anchor="t" anchorCtr="0">
-            <a:normAutofit/>
-          </a:bodyPr>
-          <a:lstStyle>
-            <a:lvl1pPr algn="l" defTabSz="914400" rtl="0" eaLnBrk="1" latinLnBrk="0" hangingPunct="1">
-              <a:lnSpc>
-                <a:spcPct val="100000"/>
-              </a:lnSpc>
-              <a:spcBef>
-                <a:spcPct val="0"/>
-              </a:spcBef>
-              <a:buNone/>
-              <a:defRPr sz="2800" kern="1200" cap="all" spc="400" baseline="0">
-                <a:solidFill>
-                  <a:schemeClr val="tx1"/>
-                </a:solidFill>
-                <a:latin typeface="+mj-lt"/>
-                <a:ea typeface="+mj-ea"/>
-                <a:cs typeface="+mj-cs"/>
-              </a:defRPr>
-            </a:lvl1pPr>
-          </a:lstStyle>
-          <a:p>
-            <a:pPr algn="ctr"/>
-            <a:r>
-              <a:rPr lang="en-US" sz="1800"/>
-              <a:t>2 questions need to be answered:</a:t>
-            </a:r>
-            <a:endParaRPr lang="en-US"/>
-          </a:p>
-          <a:p>
-            <a:pPr marL="342900" indent="-342900">
-              <a:buAutoNum type="arabicParenR"/>
-            </a:pPr>
-            <a:r>
-              <a:rPr lang="en-US" sz="1800"/>
-              <a:t>What is public favor? </a:t>
-            </a:r>
-            <a:endParaRPr lang="en-US"/>
-          </a:p>
-          <a:p>
-            <a:pPr marL="342900" indent="-342900">
-              <a:buAutoNum type="arabicParenR"/>
-            </a:pPr>
-            <a:r>
-              <a:rPr lang="en-US" sz="1800"/>
-              <a:t>what factors go into the composite score?</a:t>
-            </a:r>
-            <a:endParaRPr lang="en-US"/>
-          </a:p>
-        </p:txBody>
-      </p:sp>
+      <p:pic>
+        <p:nvPicPr>
+          <p:cNvPr id="8" name="Content Placeholder 7">
+            <a:extLst>
+              <a:ext uri="{FF2B5EF4-FFF2-40B4-BE49-F238E27FC236}">
+                <a16:creationId xmlns:a16="http://schemas.microsoft.com/office/drawing/2014/main" id="{DCD9DF23-301C-D170-E668-4EAAE41CC707}"/>
+              </a:ext>
+            </a:extLst>
+          </p:cNvPr>
+          <p:cNvPicPr>
+            <a:picLocks noGrp="1" noChangeAspect="1"/>
+          </p:cNvPicPr>
+          <p:nvPr>
+            <p:ph sz="half" idx="2"/>
+          </p:nvPr>
+        </p:nvPicPr>
+        <p:blipFill>
+          <a:blip r:embed="rId3">
+            <a:extLst>
+              <a:ext uri="{28A0092B-C50C-407E-A947-70E740481C1C}">
+                <a14:useLocalDpi xmlns:a14="http://schemas.microsoft.com/office/drawing/2010/main" val="0"/>
+              </a:ext>
+            </a:extLst>
+          </a:blip>
+          <a:stretch>
+            <a:fillRect/>
+          </a:stretch>
+        </p:blipFill>
+        <p:spPr>
+          <a:xfrm>
+            <a:off x="0" y="5697866"/>
+            <a:ext cx="12189467" cy="1008993"/>
+          </a:xfrm>
+        </p:spPr>
+      </p:pic>
     </p:spTree>
     <p:extLst>
       <p:ext uri="{BB962C8B-B14F-4D97-AF65-F5344CB8AC3E}">
-        <p14:creationId xmlns:p14="http://schemas.microsoft.com/office/powerpoint/2010/main" val="1680395916"/>
+        <p14:creationId xmlns:p14="http://schemas.microsoft.com/office/powerpoint/2010/main" val="2270930720"/>
       </p:ext>
     </p:extLst>
   </p:cSld>
@@ -8681,47 +8908,12 @@
           <a:chExt cx="0" cy="0"/>
         </a:xfrm>
       </p:grpSpPr>
-      <p:pic>
-        <p:nvPicPr>
-          <p:cNvPr id="5" name="Content Placeholder 4" descr="A graph of blue and white bars&#10;&#10;Description automatically generated">
-            <a:extLst>
-              <a:ext uri="{FF2B5EF4-FFF2-40B4-BE49-F238E27FC236}">
-                <a16:creationId xmlns:a16="http://schemas.microsoft.com/office/drawing/2014/main" id="{B5AD5173-B699-4776-1F35-276721F25F46}"/>
-              </a:ext>
-            </a:extLst>
-          </p:cNvPr>
-          <p:cNvPicPr>
-            <a:picLocks noGrp="1" noChangeAspect="1"/>
-          </p:cNvPicPr>
-          <p:nvPr>
-            <p:ph idx="1"/>
-          </p:nvPr>
-        </p:nvPicPr>
-        <p:blipFill>
-          <a:blip r:embed="rId2">
-            <a:extLst>
-              <a:ext uri="{28A0092B-C50C-407E-A947-70E740481C1C}">
-                <a14:useLocalDpi xmlns:a14="http://schemas.microsoft.com/office/drawing/2010/main" val="0"/>
-              </a:ext>
-            </a:extLst>
-          </a:blip>
-          <a:stretch>
-            <a:fillRect/>
-          </a:stretch>
-        </p:blipFill>
-        <p:spPr>
-          <a:xfrm>
-            <a:off x="2273319" y="632604"/>
-            <a:ext cx="7630983" cy="6052779"/>
-          </a:xfrm>
-        </p:spPr>
-      </p:pic>
       <p:sp>
         <p:nvSpPr>
-          <p:cNvPr id="3" name="Title 1">
-            <a:extLst>
-              <a:ext uri="{FF2B5EF4-FFF2-40B4-BE49-F238E27FC236}">
-                <a16:creationId xmlns:a16="http://schemas.microsoft.com/office/drawing/2014/main" id="{95B018F8-8632-6D46-167B-F3D36052C1A1}"/>
+          <p:cNvPr id="2" name="Title 1">
+            <a:extLst>
+              <a:ext uri="{FF2B5EF4-FFF2-40B4-BE49-F238E27FC236}">
+                <a16:creationId xmlns:a16="http://schemas.microsoft.com/office/drawing/2014/main" id="{39DB55B9-7C62-E65E-FDDB-97EF563EC737}"/>
               </a:ext>
             </a:extLst>
           </p:cNvPr>
@@ -8734,8 +8926,8 @@
         </p:nvSpPr>
         <p:spPr>
           <a:xfrm>
-            <a:off x="1079499" y="176530"/>
-            <a:ext cx="10026650" cy="912495"/>
+            <a:off x="804333" y="460905"/>
+            <a:ext cx="10026650" cy="1004887"/>
           </a:xfrm>
         </p:spPr>
         <p:txBody>
@@ -8746,16 +8938,155 @@
           <a:p>
             <a:pPr algn="ctr"/>
             <a:r>
-              <a:rPr lang="en-US" sz="1800"/>
-              <a:t>what are the factors that go into public favor?</a:t>
-            </a:r>
+              <a:rPr lang="en-US" sz="3200">
+                <a:solidFill>
+                  <a:schemeClr val="accent2"/>
+                </a:solidFill>
+                <a:latin typeface="Consolas"/>
+              </a:rPr>
+              <a:t>Explanation of Weights for composite score:</a:t>
+            </a:r>
+            <a:endParaRPr lang="en-US" sz="3200">
+              <a:solidFill>
+                <a:schemeClr val="accent2"/>
+              </a:solidFill>
+            </a:endParaRPr>
+          </a:p>
+        </p:txBody>
+      </p:sp>
+      <p:sp>
+        <p:nvSpPr>
+          <p:cNvPr id="3" name="Content Placeholder 2">
+            <a:extLst>
+              <a:ext uri="{FF2B5EF4-FFF2-40B4-BE49-F238E27FC236}">
+                <a16:creationId xmlns:a16="http://schemas.microsoft.com/office/drawing/2014/main" id="{0FA8B642-D655-8610-394F-01E330FB4CDD}"/>
+              </a:ext>
+            </a:extLst>
+          </p:cNvPr>
+          <p:cNvSpPr>
+            <a:spLocks noGrp="1"/>
+          </p:cNvSpPr>
+          <p:nvPr>
+            <p:ph idx="1"/>
+          </p:nvPr>
+        </p:nvSpPr>
+        <p:spPr>
+          <a:xfrm>
+            <a:off x="1079500" y="1790700"/>
+            <a:ext cx="10026650" cy="4518025"/>
+          </a:xfrm>
+        </p:spPr>
+        <p:txBody>
+          <a:bodyPr vert="horz" lIns="0" tIns="0" rIns="0" bIns="0" rtlCol="0" anchor="t" anchorCtr="0">
+            <a:noAutofit/>
+          </a:bodyPr>
+          <a:lstStyle/>
+          <a:p>
+            <a:pPr marL="359410" indent="-359410">
+              <a:buClr>
+                <a:srgbClr val="8FAADC"/>
+              </a:buClr>
+            </a:pPr>
+            <a:r>
+              <a:rPr lang="en-US" sz="2400" b="1">
+                <a:solidFill>
+                  <a:srgbClr val="569CD6"/>
+                </a:solidFill>
+                <a:latin typeface="Consolas"/>
+              </a:rPr>
+              <a:t>Wins (0.4): are weighted most heavily as they reflect direct success in battles.</a:t>
+            </a:r>
+            <a:endParaRPr lang="en-US" sz="2400">
+              <a:solidFill>
+                <a:srgbClr val="FFFFFF">
+                  <a:alpha val="70000"/>
+                </a:srgbClr>
+              </a:solidFill>
+            </a:endParaRPr>
+          </a:p>
+          <a:p>
+            <a:pPr marL="359410" indent="-359410">
+              <a:buClr>
+                <a:srgbClr val="8FAADC"/>
+              </a:buClr>
+            </a:pPr>
+            <a:r>
+              <a:rPr lang="en-US" sz="2400" b="1">
+                <a:solidFill>
+                  <a:srgbClr val="569CD6"/>
+                </a:solidFill>
+                <a:latin typeface="Consolas"/>
+              </a:rPr>
+              <a:t>Battle Experience (0.3): is the second most important factor, as seasoned gladiators are likely to perform better.</a:t>
+            </a:r>
+            <a:endParaRPr lang="en-US" sz="2400">
+              <a:solidFill>
+                <a:srgbClr val="FFFFFF">
+                  <a:alpha val="70000"/>
+                </a:srgbClr>
+              </a:solidFill>
+            </a:endParaRPr>
+          </a:p>
+          <a:p>
+            <a:pPr marL="359410" indent="-359410">
+              <a:buClr>
+                <a:srgbClr val="8FAADC"/>
+              </a:buClr>
+            </a:pPr>
+            <a:r>
+              <a:rPr lang="en-US" sz="2400" b="1">
+                <a:solidFill>
+                  <a:srgbClr val="569CD6"/>
+                </a:solidFill>
+                <a:latin typeface="Consolas"/>
+              </a:rPr>
+              <a:t>Public Favor (0.2): Popularity among the crowd matters but is given slightly less weight.</a:t>
+            </a:r>
+            <a:endParaRPr lang="en-US" sz="2400">
+              <a:solidFill>
+                <a:srgbClr val="FFFFFF">
+                  <a:alpha val="70000"/>
+                </a:srgbClr>
+              </a:solidFill>
+            </a:endParaRPr>
+          </a:p>
+          <a:p>
+            <a:pPr marL="359410" indent="-359410">
+              <a:buClr>
+                <a:srgbClr val="8FAADC"/>
+              </a:buClr>
+            </a:pPr>
+            <a:r>
+              <a:rPr lang="en-US" sz="2400" b="1">
+                <a:solidFill>
+                  <a:srgbClr val="569CD6"/>
+                </a:solidFill>
+                <a:latin typeface="Consolas"/>
+              </a:rPr>
+              <a:t>Survived (0.1): Survival status contributes a small amount to the score.</a:t>
+            </a:r>
+            <a:endParaRPr lang="en-US" sz="2400"/>
+          </a:p>
+          <a:p>
+            <a:pPr marL="359410" indent="-359410">
+              <a:buClr>
+                <a:srgbClr val="8FAADC"/>
+              </a:buClr>
+            </a:pPr>
+            <a:endParaRPr lang="en-US">
+              <a:solidFill>
+                <a:srgbClr val="FFFFFF">
+                  <a:alpha val="70000"/>
+                </a:srgbClr>
+              </a:solidFill>
+            </a:endParaRPr>
           </a:p>
         </p:txBody>
       </p:sp>
     </p:spTree>
     <p:extLst>
       <p:ext uri="{BB962C8B-B14F-4D97-AF65-F5344CB8AC3E}">
-        <p14:creationId xmlns:p14="http://schemas.microsoft.com/office/powerpoint/2010/main" val="3247240348"/>
+        <p14:creationId xmlns:p14="http://schemas.microsoft.com/office/powerpoint/2010/main" val="3830639506"/>
       </p:ext>
     </p:extLst>
   </p:cSld>
